--- a/src/ppt15.pptx
+++ b/src/ppt15.pptx
@@ -120,7 +120,7 @@
   </p:defaultTextStyle>
   <p:extLst>
     <p:ext uri="{EFAFB233-063F-42B5-8137-9DF3F51BA10A}">
-      <p15:sldGuideLst xmlns:p15="http://schemas.microsoft.com/office/powerpoint/2012/main" xmlns=""/>
+      <p15:sldGuideLst xmlns="" xmlns:p15="http://schemas.microsoft.com/office/powerpoint/2012/main"/>
     </p:ext>
   </p:extLst>
 </p:presentation>
@@ -209,7 +209,7 @@
             <a:fld id="{288C3450-B1F7-4D70-BBD4-DE10EE2FA08A}" type="datetimeFigureOut">
               <a:rPr lang="he-IL" smtClean="0"/>
               <a:pPr/>
-              <a:t>ל'/שבט/תשע"ט</a:t>
+              <a:t>ב'/אדר א/תשע"ט</a:t>
             </a:fld>
             <a:endParaRPr lang="he-IL"/>
           </a:p>
@@ -1198,7 +1198,7 @@
             <a:fld id="{48A87A34-81AB-432B-8DAE-1953F412C126}" type="datetimeFigureOut">
               <a:rPr lang="en-US" smtClean="0"/>
               <a:pPr/>
-              <a:t>2/5/2019</a:t>
+              <a:t>2/7/2019</a:t>
             </a:fld>
             <a:endParaRPr lang="en-US" dirty="0"/>
           </a:p>
@@ -1250,7 +1250,7 @@
     </p:spTree>
     <p:extLst>
       <p:ext uri="{BB962C8B-B14F-4D97-AF65-F5344CB8AC3E}">
-        <p14:creationId xmlns:p14="http://schemas.microsoft.com/office/powerpoint/2010/main" xmlns="" val="2379700270"/>
+        <p14:creationId xmlns="" xmlns:p14="http://schemas.microsoft.com/office/powerpoint/2010/main" val="2379700270"/>
       </p:ext>
     </p:extLst>
   </p:cSld>
@@ -1451,7 +1451,7 @@
             <a:fld id="{48A87A34-81AB-432B-8DAE-1953F412C126}" type="datetimeFigureOut">
               <a:rPr lang="en-US" smtClean="0"/>
               <a:pPr/>
-              <a:t>2/5/2019</a:t>
+              <a:t>2/7/2019</a:t>
             </a:fld>
             <a:endParaRPr lang="en-US" dirty="0"/>
           </a:p>
@@ -1503,7 +1503,7 @@
     </p:spTree>
     <p:extLst>
       <p:ext uri="{BB962C8B-B14F-4D97-AF65-F5344CB8AC3E}">
-        <p14:creationId xmlns:p14="http://schemas.microsoft.com/office/powerpoint/2010/main" xmlns="" val="1804991245"/>
+        <p14:creationId xmlns="" xmlns:p14="http://schemas.microsoft.com/office/powerpoint/2010/main" val="1804991245"/>
       </p:ext>
     </p:extLst>
   </p:cSld>
@@ -1767,7 +1767,7 @@
             <a:fld id="{48A87A34-81AB-432B-8DAE-1953F412C126}" type="datetimeFigureOut">
               <a:rPr lang="en-US" smtClean="0"/>
               <a:pPr/>
-              <a:t>2/5/2019</a:t>
+              <a:t>2/7/2019</a:t>
             </a:fld>
             <a:endParaRPr lang="en-US" dirty="0"/>
           </a:p>
@@ -1909,7 +1909,7 @@
     </p:spTree>
     <p:extLst>
       <p:ext uri="{BB962C8B-B14F-4D97-AF65-F5344CB8AC3E}">
-        <p14:creationId xmlns:p14="http://schemas.microsoft.com/office/powerpoint/2010/main" xmlns="" val="1473712570"/>
+        <p14:creationId xmlns="" xmlns:p14="http://schemas.microsoft.com/office/powerpoint/2010/main" val="1473712570"/>
       </p:ext>
     </p:extLst>
   </p:cSld>
@@ -2110,7 +2110,7 @@
             <a:fld id="{48A87A34-81AB-432B-8DAE-1953F412C126}" type="datetimeFigureOut">
               <a:rPr lang="en-US" smtClean="0"/>
               <a:pPr/>
-              <a:t>2/5/2019</a:t>
+              <a:t>2/7/2019</a:t>
             </a:fld>
             <a:endParaRPr lang="en-US" dirty="0"/>
           </a:p>
@@ -2162,7 +2162,7 @@
     </p:spTree>
     <p:extLst>
       <p:ext uri="{BB962C8B-B14F-4D97-AF65-F5344CB8AC3E}">
-        <p14:creationId xmlns:p14="http://schemas.microsoft.com/office/powerpoint/2010/main" xmlns="" val="2530574234"/>
+        <p14:creationId xmlns="" xmlns:p14="http://schemas.microsoft.com/office/powerpoint/2010/main" val="2530574234"/>
       </p:ext>
     </p:extLst>
   </p:cSld>
@@ -2426,7 +2426,7 @@
             <a:fld id="{48A87A34-81AB-432B-8DAE-1953F412C126}" type="datetimeFigureOut">
               <a:rPr lang="en-US" smtClean="0"/>
               <a:pPr/>
-              <a:t>2/5/2019</a:t>
+              <a:t>2/7/2019</a:t>
             </a:fld>
             <a:endParaRPr lang="en-US" dirty="0"/>
           </a:p>
@@ -2560,7 +2560,7 @@
     </p:spTree>
     <p:extLst>
       <p:ext uri="{BB962C8B-B14F-4D97-AF65-F5344CB8AC3E}">
-        <p14:creationId xmlns:p14="http://schemas.microsoft.com/office/powerpoint/2010/main" xmlns="" val="1004790222"/>
+        <p14:creationId xmlns="" xmlns:p14="http://schemas.microsoft.com/office/powerpoint/2010/main" val="1004790222"/>
       </p:ext>
     </p:extLst>
   </p:cSld>
@@ -2821,7 +2821,7 @@
             <a:fld id="{48A87A34-81AB-432B-8DAE-1953F412C126}" type="datetimeFigureOut">
               <a:rPr lang="en-US" smtClean="0"/>
               <a:pPr/>
-              <a:t>2/5/2019</a:t>
+              <a:t>2/7/2019</a:t>
             </a:fld>
             <a:endParaRPr lang="en-US" dirty="0"/>
           </a:p>
@@ -2873,7 +2873,7 @@
     </p:spTree>
     <p:extLst>
       <p:ext uri="{BB962C8B-B14F-4D97-AF65-F5344CB8AC3E}">
-        <p14:creationId xmlns:p14="http://schemas.microsoft.com/office/powerpoint/2010/main" xmlns="" val="3328784466"/>
+        <p14:creationId xmlns="" xmlns:p14="http://schemas.microsoft.com/office/powerpoint/2010/main" val="3328784466"/>
       </p:ext>
     </p:extLst>
   </p:cSld>
@@ -2993,7 +2993,7 @@
             <a:fld id="{48A87A34-81AB-432B-8DAE-1953F412C126}" type="datetimeFigureOut">
               <a:rPr lang="en-US" smtClean="0"/>
               <a:pPr/>
-              <a:t>2/5/2019</a:t>
+              <a:t>2/7/2019</a:t>
             </a:fld>
             <a:endParaRPr lang="en-US" dirty="0"/>
           </a:p>
@@ -3045,7 +3045,7 @@
     </p:spTree>
     <p:extLst>
       <p:ext uri="{BB962C8B-B14F-4D97-AF65-F5344CB8AC3E}">
-        <p14:creationId xmlns:p14="http://schemas.microsoft.com/office/powerpoint/2010/main" xmlns="" val="1447070425"/>
+        <p14:creationId xmlns="" xmlns:p14="http://schemas.microsoft.com/office/powerpoint/2010/main" val="1447070425"/>
       </p:ext>
     </p:extLst>
   </p:cSld>
@@ -3175,7 +3175,7 @@
             <a:fld id="{48A87A34-81AB-432B-8DAE-1953F412C126}" type="datetimeFigureOut">
               <a:rPr lang="en-US" smtClean="0"/>
               <a:pPr/>
-              <a:t>2/5/2019</a:t>
+              <a:t>2/7/2019</a:t>
             </a:fld>
             <a:endParaRPr lang="en-US" dirty="0"/>
           </a:p>
@@ -3227,7 +3227,7 @@
     </p:spTree>
     <p:extLst>
       <p:ext uri="{BB962C8B-B14F-4D97-AF65-F5344CB8AC3E}">
-        <p14:creationId xmlns:p14="http://schemas.microsoft.com/office/powerpoint/2010/main" xmlns="" val="3648480235"/>
+        <p14:creationId xmlns="" xmlns:p14="http://schemas.microsoft.com/office/powerpoint/2010/main" val="3648480235"/>
       </p:ext>
     </p:extLst>
   </p:cSld>
@@ -3353,7 +3353,7 @@
             <a:fld id="{48A87A34-81AB-432B-8DAE-1953F412C126}" type="datetimeFigureOut">
               <a:rPr lang="en-US" smtClean="0"/>
               <a:pPr/>
-              <a:t>2/5/2019</a:t>
+              <a:t>2/7/2019</a:t>
             </a:fld>
             <a:endParaRPr lang="en-US" dirty="0"/>
           </a:p>
@@ -3405,7 +3405,7 @@
     </p:spTree>
     <p:extLst>
       <p:ext uri="{BB962C8B-B14F-4D97-AF65-F5344CB8AC3E}">
-        <p14:creationId xmlns:p14="http://schemas.microsoft.com/office/powerpoint/2010/main" xmlns="" val="2649633687"/>
+        <p14:creationId xmlns="" xmlns:p14="http://schemas.microsoft.com/office/powerpoint/2010/main" val="2649633687"/>
       </p:ext>
     </p:extLst>
   </p:cSld>
@@ -3602,7 +3602,7 @@
             <a:fld id="{48A87A34-81AB-432B-8DAE-1953F412C126}" type="datetimeFigureOut">
               <a:rPr lang="en-US" smtClean="0"/>
               <a:pPr/>
-              <a:t>2/5/2019</a:t>
+              <a:t>2/7/2019</a:t>
             </a:fld>
             <a:endParaRPr lang="en-US" dirty="0"/>
           </a:p>
@@ -3654,7 +3654,7 @@
     </p:spTree>
     <p:extLst>
       <p:ext uri="{BB962C8B-B14F-4D97-AF65-F5344CB8AC3E}">
-        <p14:creationId xmlns:p14="http://schemas.microsoft.com/office/powerpoint/2010/main" xmlns="" val="572893903"/>
+        <p14:creationId xmlns="" xmlns:p14="http://schemas.microsoft.com/office/powerpoint/2010/main" val="572893903"/>
       </p:ext>
     </p:extLst>
   </p:cSld>
@@ -3836,7 +3836,7 @@
             <a:fld id="{48A87A34-81AB-432B-8DAE-1953F412C126}" type="datetimeFigureOut">
               <a:rPr lang="en-US" smtClean="0"/>
               <a:pPr/>
-              <a:t>2/5/2019</a:t>
+              <a:t>2/7/2019</a:t>
             </a:fld>
             <a:endParaRPr lang="en-US" dirty="0"/>
           </a:p>
@@ -3888,7 +3888,7 @@
     </p:spTree>
     <p:extLst>
       <p:ext uri="{BB962C8B-B14F-4D97-AF65-F5344CB8AC3E}">
-        <p14:creationId xmlns:p14="http://schemas.microsoft.com/office/powerpoint/2010/main" xmlns="" val="3918475607"/>
+        <p14:creationId xmlns="" xmlns:p14="http://schemas.microsoft.com/office/powerpoint/2010/main" val="3918475607"/>
       </p:ext>
     </p:extLst>
   </p:cSld>
@@ -4212,7 +4212,7 @@
             <a:fld id="{48A87A34-81AB-432B-8DAE-1953F412C126}" type="datetimeFigureOut">
               <a:rPr lang="en-US" smtClean="0"/>
               <a:pPr/>
-              <a:t>2/5/2019</a:t>
+              <a:t>2/7/2019</a:t>
             </a:fld>
             <a:endParaRPr lang="en-US" dirty="0"/>
           </a:p>
@@ -4264,7 +4264,7 @@
     </p:spTree>
     <p:extLst>
       <p:ext uri="{BB962C8B-B14F-4D97-AF65-F5344CB8AC3E}">
-        <p14:creationId xmlns:p14="http://schemas.microsoft.com/office/powerpoint/2010/main" xmlns="" val="70569158"/>
+        <p14:creationId xmlns="" xmlns:p14="http://schemas.microsoft.com/office/powerpoint/2010/main" val="70569158"/>
       </p:ext>
     </p:extLst>
   </p:cSld>
@@ -4337,7 +4337,7 @@
             <a:fld id="{48A87A34-81AB-432B-8DAE-1953F412C126}" type="datetimeFigureOut">
               <a:rPr lang="en-US" smtClean="0"/>
               <a:pPr/>
-              <a:t>2/5/2019</a:t>
+              <a:t>2/7/2019</a:t>
             </a:fld>
             <a:endParaRPr lang="en-US" dirty="0"/>
           </a:p>
@@ -4389,7 +4389,7 @@
     </p:spTree>
     <p:extLst>
       <p:ext uri="{BB962C8B-B14F-4D97-AF65-F5344CB8AC3E}">
-        <p14:creationId xmlns:p14="http://schemas.microsoft.com/office/powerpoint/2010/main" xmlns="" val="3956773614"/>
+        <p14:creationId xmlns="" xmlns:p14="http://schemas.microsoft.com/office/powerpoint/2010/main" val="3956773614"/>
       </p:ext>
     </p:extLst>
   </p:cSld>
@@ -4434,7 +4434,7 @@
             <a:fld id="{48A87A34-81AB-432B-8DAE-1953F412C126}" type="datetimeFigureOut">
               <a:rPr lang="en-US" smtClean="0"/>
               <a:pPr/>
-              <a:t>2/5/2019</a:t>
+              <a:t>2/7/2019</a:t>
             </a:fld>
             <a:endParaRPr lang="en-US" dirty="0"/>
           </a:p>
@@ -4486,7 +4486,7 @@
     </p:spTree>
     <p:extLst>
       <p:ext uri="{BB962C8B-B14F-4D97-AF65-F5344CB8AC3E}">
-        <p14:creationId xmlns:p14="http://schemas.microsoft.com/office/powerpoint/2010/main" xmlns="" val="843387325"/>
+        <p14:creationId xmlns="" xmlns:p14="http://schemas.microsoft.com/office/powerpoint/2010/main" val="843387325"/>
       </p:ext>
     </p:extLst>
   </p:cSld>
@@ -4691,7 +4691,7 @@
             <a:fld id="{48A87A34-81AB-432B-8DAE-1953F412C126}" type="datetimeFigureOut">
               <a:rPr lang="en-US" smtClean="0"/>
               <a:pPr/>
-              <a:t>2/5/2019</a:t>
+              <a:t>2/7/2019</a:t>
             </a:fld>
             <a:endParaRPr lang="en-US" dirty="0"/>
           </a:p>
@@ -4743,7 +4743,7 @@
     </p:spTree>
     <p:extLst>
       <p:ext uri="{BB962C8B-B14F-4D97-AF65-F5344CB8AC3E}">
-        <p14:creationId xmlns:p14="http://schemas.microsoft.com/office/powerpoint/2010/main" xmlns="" val="614752468"/>
+        <p14:creationId xmlns="" xmlns:p14="http://schemas.microsoft.com/office/powerpoint/2010/main" val="614752468"/>
       </p:ext>
     </p:extLst>
   </p:cSld>
@@ -4956,7 +4956,7 @@
             <a:fld id="{48A87A34-81AB-432B-8DAE-1953F412C126}" type="datetimeFigureOut">
               <a:rPr lang="en-US" smtClean="0"/>
               <a:pPr/>
-              <a:t>2/5/2019</a:t>
+              <a:t>2/7/2019</a:t>
             </a:fld>
             <a:endParaRPr lang="en-US" dirty="0"/>
           </a:p>
@@ -5008,7 +5008,7 @@
     </p:spTree>
     <p:extLst>
       <p:ext uri="{BB962C8B-B14F-4D97-AF65-F5344CB8AC3E}">
-        <p14:creationId xmlns:p14="http://schemas.microsoft.com/office/powerpoint/2010/main" xmlns="" val="2525773852"/>
+        <p14:creationId xmlns="" xmlns:p14="http://schemas.microsoft.com/office/powerpoint/2010/main" val="2525773852"/>
       </p:ext>
     </p:extLst>
   </p:cSld>
@@ -5701,7 +5701,7 @@
             <a:fld id="{48A87A34-81AB-432B-8DAE-1953F412C126}" type="datetimeFigureOut">
               <a:rPr lang="en-US" smtClean="0"/>
               <a:pPr/>
-              <a:t>2/5/2019</a:t>
+              <a:t>2/7/2019</a:t>
             </a:fld>
             <a:endParaRPr lang="en-US" dirty="0"/>
           </a:p>
@@ -5787,7 +5787,7 @@
     </p:spTree>
     <p:extLst>
       <p:ext uri="{BB962C8B-B14F-4D97-AF65-F5344CB8AC3E}">
-        <p14:creationId xmlns:p14="http://schemas.microsoft.com/office/powerpoint/2010/main" xmlns="" val="2849168193"/>
+        <p14:creationId xmlns="" xmlns:p14="http://schemas.microsoft.com/office/powerpoint/2010/main" val="2849168193"/>
       </p:ext>
     </p:extLst>
   </p:cSld>
@@ -6260,7 +6260,7 @@
     </p:spTree>
     <p:extLst>
       <p:ext uri="{BB962C8B-B14F-4D97-AF65-F5344CB8AC3E}">
-        <p14:creationId xmlns:p14="http://schemas.microsoft.com/office/powerpoint/2010/main" xmlns="" val="1597654807"/>
+        <p14:creationId xmlns="" xmlns:p14="http://schemas.microsoft.com/office/powerpoint/2010/main" val="1597654807"/>
       </p:ext>
     </p:extLst>
   </p:cSld>
@@ -6372,7 +6372,7 @@
     </p:spTree>
     <p:extLst>
       <p:ext uri="{BB962C8B-B14F-4D97-AF65-F5344CB8AC3E}">
-        <p14:creationId xmlns="" xmlns:p14="http://schemas.microsoft.com/office/powerpoint/2010/main" val="2508929371"/>
+        <p14:creationId xmlns:p14="http://schemas.microsoft.com/office/powerpoint/2010/main" xmlns="" val="2508929371"/>
       </p:ext>
     </p:extLst>
   </p:cSld>
@@ -6491,7 +6491,7 @@
     </p:spTree>
     <p:extLst>
       <p:ext uri="{BB962C8B-B14F-4D97-AF65-F5344CB8AC3E}">
-        <p14:creationId xmlns="" xmlns:p14="http://schemas.microsoft.com/office/powerpoint/2010/main" val="2508929371"/>
+        <p14:creationId xmlns:p14="http://schemas.microsoft.com/office/powerpoint/2010/main" xmlns="" val="2508929371"/>
       </p:ext>
     </p:extLst>
   </p:cSld>
@@ -6630,7 +6630,7 @@
     </p:spTree>
     <p:extLst>
       <p:ext uri="{BB962C8B-B14F-4D97-AF65-F5344CB8AC3E}">
-        <p14:creationId xmlns="" xmlns:p14="http://schemas.microsoft.com/office/powerpoint/2010/main" val="2508929371"/>
+        <p14:creationId xmlns:p14="http://schemas.microsoft.com/office/powerpoint/2010/main" xmlns="" val="2508929371"/>
       </p:ext>
     </p:extLst>
   </p:cSld>
@@ -6742,7 +6742,11 @@
             <a:pPr lvl="1"/>
             <a:r>
               <a:rPr lang="he-IL" sz="3400" dirty="0" smtClean="0"/>
-              <a:t> פקודות חיישן האור האנלוגי</a:t>
+              <a:t> פקודות חיישן </a:t>
+            </a:r>
+            <a:r>
+              <a:rPr lang="he-IL" sz="3400" dirty="0" smtClean="0"/>
+              <a:t>הצבע</a:t>
             </a:r>
             <a:endParaRPr lang="he-IL" sz="3900" dirty="0" smtClean="0"/>
           </a:p>
@@ -6783,7 +6787,7 @@
     </p:spTree>
     <p:extLst>
       <p:ext uri="{BB962C8B-B14F-4D97-AF65-F5344CB8AC3E}">
-        <p14:creationId xmlns:p14="http://schemas.microsoft.com/office/powerpoint/2010/main" xmlns="" val="2508929371"/>
+        <p14:creationId xmlns="" xmlns:p14="http://schemas.microsoft.com/office/powerpoint/2010/main" val="2508929371"/>
       </p:ext>
     </p:extLst>
   </p:cSld>
@@ -6867,24 +6871,15 @@
           <a:p>
             <a:r>
               <a:rPr lang="he-IL" sz="4000" dirty="0" smtClean="0"/>
-              <a:t> בניית </a:t>
-            </a:r>
-            <a:r>
-              <a:rPr lang="he-IL" sz="4000" dirty="0" smtClean="0"/>
-              <a:t>דגם </a:t>
-            </a:r>
-            <a:r>
-              <a:rPr lang="he-IL" sz="4000" dirty="0" smtClean="0"/>
-              <a:t>מתקדם</a:t>
-            </a:r>
-            <a:endParaRPr lang="he-IL" sz="4000" dirty="0" smtClean="0"/>
+              <a:t> בניית דגם מתקדם</a:t>
+            </a:r>
           </a:p>
         </p:txBody>
       </p:sp>
     </p:spTree>
     <p:extLst>
       <p:ext uri="{BB962C8B-B14F-4D97-AF65-F5344CB8AC3E}">
-        <p14:creationId xmlns:p14="http://schemas.microsoft.com/office/powerpoint/2010/main" xmlns="" val="2508929371"/>
+        <p14:creationId xmlns="" xmlns:p14="http://schemas.microsoft.com/office/powerpoint/2010/main" val="2508929371"/>
       </p:ext>
     </p:extLst>
   </p:cSld>
@@ -6975,13 +6970,8 @@
             <a:pPr marL="1009650" lvl="1" indent="-609600"/>
             <a:r>
               <a:rPr lang="he-IL" sz="4200" dirty="0" smtClean="0"/>
-              <a:t>חיישן הצבע מחזיר ערך שמתאר את הצבע של המשטח </a:t>
-            </a:r>
-            <a:r>
-              <a:rPr lang="he-IL" sz="4200" dirty="0" smtClean="0"/>
-              <a:t>שמולו</a:t>
-            </a:r>
-            <a:endParaRPr lang="he-IL" sz="4200" dirty="0" smtClean="0"/>
+              <a:t>חיישן הצבע מחזיר ערך שמתאר את הצבע של המשטח שמולו</a:t>
+            </a:r>
           </a:p>
           <a:p>
             <a:pPr marL="1009650" lvl="1" indent="-609600">
@@ -7038,7 +7028,7 @@
     </p:spTree>
     <p:extLst>
       <p:ext uri="{BB962C8B-B14F-4D97-AF65-F5344CB8AC3E}">
-        <p14:creationId xmlns="" xmlns:p14="http://schemas.microsoft.com/office/powerpoint/2010/main" val="2508929371"/>
+        <p14:creationId xmlns:p14="http://schemas.microsoft.com/office/powerpoint/2010/main" xmlns="" val="2508929371"/>
       </p:ext>
     </p:extLst>
   </p:cSld>
@@ -7121,23 +7111,7 @@
             <a:pPr marL="1009650" lvl="1" indent="-609600" algn="r"/>
             <a:r>
               <a:rPr lang="he-IL" sz="3200" dirty="0" smtClean="0"/>
-              <a:t>חיישן הצבע יורכב בתחתית הרובוט כשפניו כלפי הרצפה </a:t>
-            </a:r>
-            <a:r>
-              <a:rPr lang="he-IL" sz="3200" dirty="0" smtClean="0"/>
-              <a:t>(</a:t>
-            </a:r>
-            <a:r>
-              <a:rPr lang="he-IL" sz="3200" dirty="0" smtClean="0"/>
-              <a:t>במרחק של כסנטימטר וחצי) </a:t>
-            </a:r>
-            <a:r>
-              <a:rPr lang="he-IL" sz="3200" dirty="0" smtClean="0"/>
-              <a:t>בכדי לבדוק את הצבע של </a:t>
-            </a:r>
-            <a:r>
-              <a:rPr lang="he-IL" sz="3200" dirty="0" smtClean="0"/>
-              <a:t>המשטח עליו נוסע הרובוט</a:t>
+              <a:t>חיישן הצבע יורכב בתחתית הרובוט כשפניו כלפי הרצפה (במרחק של כסנטימטר וחצי) בכדי לבדוק את הצבע של המשטח עליו נוסע הרובוט</a:t>
             </a:r>
           </a:p>
         </p:txBody>
@@ -7177,7 +7151,7 @@
     </p:spTree>
     <p:extLst>
       <p:ext uri="{BB962C8B-B14F-4D97-AF65-F5344CB8AC3E}">
-        <p14:creationId xmlns="" xmlns:p14="http://schemas.microsoft.com/office/powerpoint/2010/main" val="2508929371"/>
+        <p14:creationId xmlns:p14="http://schemas.microsoft.com/office/powerpoint/2010/main" xmlns="" val="2508929371"/>
       </p:ext>
     </p:extLst>
   </p:cSld>
@@ -7271,7 +7245,7 @@
     </p:spTree>
     <p:extLst>
       <p:ext uri="{BB962C8B-B14F-4D97-AF65-F5344CB8AC3E}">
-        <p14:creationId xmlns="" xmlns:p14="http://schemas.microsoft.com/office/powerpoint/2010/main" val="2508929371"/>
+        <p14:creationId xmlns:p14="http://schemas.microsoft.com/office/powerpoint/2010/main" xmlns="" val="2508929371"/>
       </p:ext>
     </p:extLst>
   </p:cSld>
@@ -7504,7 +7478,7 @@
     </p:spTree>
     <p:extLst>
       <p:ext uri="{BB962C8B-B14F-4D97-AF65-F5344CB8AC3E}">
-        <p14:creationId xmlns="" xmlns:p14="http://schemas.microsoft.com/office/powerpoint/2010/main" val="2508929371"/>
+        <p14:creationId xmlns:p14="http://schemas.microsoft.com/office/powerpoint/2010/main" xmlns="" val="2508929371"/>
       </p:ext>
     </p:extLst>
   </p:cSld>
@@ -7731,7 +7705,7 @@
     </p:spTree>
     <p:extLst>
       <p:ext uri="{BB962C8B-B14F-4D97-AF65-F5344CB8AC3E}">
-        <p14:creationId xmlns:p14="http://schemas.microsoft.com/office/powerpoint/2010/main" xmlns="" val="2508929371"/>
+        <p14:creationId xmlns="" xmlns:p14="http://schemas.microsoft.com/office/powerpoint/2010/main" val="2508929371"/>
       </p:ext>
     </p:extLst>
   </p:cSld>
@@ -7850,7 +7824,7 @@
     </p:spTree>
     <p:extLst>
       <p:ext uri="{BB962C8B-B14F-4D97-AF65-F5344CB8AC3E}">
-        <p14:creationId xmlns="" xmlns:p14="http://schemas.microsoft.com/office/powerpoint/2010/main" val="2508929371"/>
+        <p14:creationId xmlns:p14="http://schemas.microsoft.com/office/powerpoint/2010/main" xmlns="" val="2508929371"/>
       </p:ext>
     </p:extLst>
   </p:cSld>
@@ -8118,7 +8092,7 @@
   <a:extraClrSchemeLst/>
   <a:extLst>
     <a:ext uri="{05A4C25C-085E-4340-85A3-A5531E510DB2}">
-      <thm15:themeFamily xmlns:thm15="http://schemas.microsoft.com/office/thememl/2012/main" xmlns="" name="Facet" id="{C0C680CD-088A-49FC-A102-D699147F32B2}" vid="{CFBC31BA-B70F-4F30-BCAA-4F3011E16C4D}"/>
+      <thm15:themeFamily xmlns="" xmlns:thm15="http://schemas.microsoft.com/office/thememl/2012/main" name="Facet" id="{C0C680CD-088A-49FC-A102-D699147F32B2}" vid="{CFBC31BA-B70F-4F30-BCAA-4F3011E16C4D}"/>
     </a:ext>
   </a:extLst>
 </a:theme>
